--- a/investigation_jupyter_lab.pptx
+++ b/investigation_jupyter_lab.pptx
@@ -8,11 +8,12 @@
     <p:sldId id="256" r:id="rId2"/>
     <p:sldId id="263" r:id="rId3"/>
     <p:sldId id="257" r:id="rId4"/>
-    <p:sldId id="258" r:id="rId5"/>
-    <p:sldId id="259" r:id="rId6"/>
-    <p:sldId id="260" r:id="rId7"/>
-    <p:sldId id="261" r:id="rId8"/>
-    <p:sldId id="262" r:id="rId9"/>
+    <p:sldId id="264" r:id="rId5"/>
+    <p:sldId id="258" r:id="rId6"/>
+    <p:sldId id="259" r:id="rId7"/>
+    <p:sldId id="260" r:id="rId8"/>
+    <p:sldId id="261" r:id="rId9"/>
+    <p:sldId id="262" r:id="rId10"/>
   </p:sldIdLst>
   <p:sldSz cx="12192000" cy="6858000"/>
   <p:notesSz cx="6858000" cy="9144000"/>
@@ -5966,6 +5967,13 @@
   <p:clrMapOvr>
     <a:masterClrMapping/>
   </p:clrMapOvr>
+  <p:timing>
+    <p:tnLst>
+      <p:par>
+        <p:cTn id="1" dur="indefinite" restart="never" nodeType="tmRoot"/>
+      </p:par>
+    </p:tnLst>
+  </p:timing>
 </p:sld>
 </file>
 
@@ -6062,13 +6070,8 @@
           <a:p>
             <a:r>
               <a:rPr lang="en-US" sz="3200" dirty="0" smtClean="0"/>
-              <a:t>Allows for many extensions and you can </a:t>
-            </a:r>
-            <a:r>
-              <a:rPr lang="en-US" sz="3200" smtClean="0"/>
-              <a:t>even create your own.</a:t>
-            </a:r>
-            <a:endParaRPr lang="en-US" sz="3200" dirty="0" smtClean="0"/>
+              <a:t>Allows for many extensions and you can even create your own.</a:t>
+            </a:r>
           </a:p>
           <a:p>
             <a:endParaRPr lang="en-US" sz="3200" dirty="0" smtClean="0"/>
@@ -6096,6 +6099,121 @@
 </file>
 
 <file path=ppt/slides/slide4.xml><?xml version="1.0" encoding="utf-8"?>
+<p:sld xmlns:a="http://schemas.openxmlformats.org/drawingml/2006/main" xmlns:r="http://schemas.openxmlformats.org/officeDocument/2006/relationships" xmlns:p="http://schemas.openxmlformats.org/presentationml/2006/main">
+  <p:cSld>
+    <p:spTree>
+      <p:nvGrpSpPr>
+        <p:cNvPr id="1" name=""/>
+        <p:cNvGrpSpPr/>
+        <p:nvPr/>
+      </p:nvGrpSpPr>
+      <p:grpSpPr>
+        <a:xfrm>
+          <a:off x="0" y="0"/>
+          <a:ext cx="0" cy="0"/>
+          <a:chOff x="0" y="0"/>
+          <a:chExt cx="0" cy="0"/>
+        </a:xfrm>
+      </p:grpSpPr>
+      <p:sp>
+        <p:nvSpPr>
+          <p:cNvPr id="2" name="Title 1"/>
+          <p:cNvSpPr>
+            <a:spLocks noGrp="1"/>
+          </p:cNvSpPr>
+          <p:nvPr>
+            <p:ph type="title"/>
+          </p:nvPr>
+        </p:nvSpPr>
+        <p:spPr/>
+        <p:txBody>
+          <a:bodyPr>
+            <a:noAutofit/>
+          </a:bodyPr>
+          <a:lstStyle/>
+          <a:p>
+            <a:r>
+              <a:rPr lang="en-US" sz="5400" dirty="0" smtClean="0"/>
+              <a:t>Extensions </a:t>
+            </a:r>
+            <a:endParaRPr lang="en-US" sz="5400" dirty="0"/>
+          </a:p>
+        </p:txBody>
+      </p:sp>
+      <p:sp>
+        <p:nvSpPr>
+          <p:cNvPr id="3" name="Content Placeholder 2"/>
+          <p:cNvSpPr>
+            <a:spLocks noGrp="1"/>
+          </p:cNvSpPr>
+          <p:nvPr>
+            <p:ph idx="1"/>
+          </p:nvPr>
+        </p:nvSpPr>
+        <p:spPr/>
+        <p:txBody>
+          <a:bodyPr>
+            <a:normAutofit/>
+          </a:bodyPr>
+          <a:lstStyle/>
+          <a:p>
+            <a:r>
+              <a:rPr lang="en-US" sz="3200" dirty="0" smtClean="0"/>
+              <a:t>Provide </a:t>
+            </a:r>
+            <a:r>
+              <a:rPr lang="en-US" sz="3200" dirty="0"/>
+              <a:t>new themes, file editors and viewers, or renderers for rich outputs in </a:t>
+            </a:r>
+            <a:r>
+              <a:rPr lang="en-US" sz="3200" dirty="0" smtClean="0"/>
+              <a:t>notebooks.</a:t>
+            </a:r>
+            <a:endParaRPr lang="en-US" sz="3200" dirty="0"/>
+          </a:p>
+          <a:p>
+            <a:r>
+              <a:rPr lang="en-US" sz="3200" dirty="0"/>
+              <a:t>Add menu items, keyboard shortcuts, or advanced settings </a:t>
+            </a:r>
+            <a:r>
+              <a:rPr lang="en-US" sz="3200" dirty="0" smtClean="0"/>
+              <a:t>options.</a:t>
+            </a:r>
+            <a:endParaRPr lang="en-US" sz="3200" dirty="0"/>
+          </a:p>
+          <a:p>
+            <a:r>
+              <a:rPr lang="en-US" sz="3200" dirty="0"/>
+              <a:t>Provide an API for other extensions to use.</a:t>
+            </a:r>
+          </a:p>
+          <a:p>
+            <a:endParaRPr lang="en-US" dirty="0"/>
+          </a:p>
+        </p:txBody>
+      </p:sp>
+    </p:spTree>
+    <p:extLst>
+      <p:ext uri="{BB962C8B-B14F-4D97-AF65-F5344CB8AC3E}">
+        <p14:creationId xmlns:p14="http://schemas.microsoft.com/office/powerpoint/2010/main" val="1101430169"/>
+      </p:ext>
+    </p:extLst>
+  </p:cSld>
+  <p:clrMapOvr>
+    <a:masterClrMapping/>
+  </p:clrMapOvr>
+  <p:timing>
+    <p:tnLst>
+      <p:par>
+        <p:cTn id="1" dur="indefinite" restart="never" nodeType="tmRoot"/>
+      </p:par>
+    </p:tnLst>
+  </p:timing>
+</p:sld>
+</file>
+
+<file path=ppt/slides/slide5.xml><?xml version="1.0" encoding="utf-8"?>
 <p:sld xmlns:a="http://schemas.openxmlformats.org/drawingml/2006/main" xmlns:r="http://schemas.openxmlformats.org/officeDocument/2006/relationships" xmlns:p="http://schemas.openxmlformats.org/presentationml/2006/main">
   <p:cSld>
     <p:spTree>
@@ -6191,7 +6309,7 @@
 </p:sld>
 </file>
 
-<file path=ppt/slides/slide5.xml><?xml version="1.0" encoding="utf-8"?>
+<file path=ppt/slides/slide6.xml><?xml version="1.0" encoding="utf-8"?>
 <p:sld xmlns:a="http://schemas.openxmlformats.org/drawingml/2006/main" xmlns:r="http://schemas.openxmlformats.org/officeDocument/2006/relationships" xmlns:p="http://schemas.openxmlformats.org/presentationml/2006/main">
   <p:cSld>
     <p:spTree>
@@ -6282,7 +6400,7 @@
 </p:sld>
 </file>
 
-<file path=ppt/slides/slide6.xml><?xml version="1.0" encoding="utf-8"?>
+<file path=ppt/slides/slide7.xml><?xml version="1.0" encoding="utf-8"?>
 <p:sld xmlns:a="http://schemas.openxmlformats.org/drawingml/2006/main" xmlns:r="http://schemas.openxmlformats.org/officeDocument/2006/relationships" xmlns:p="http://schemas.openxmlformats.org/presentationml/2006/main">
   <p:cSld>
     <p:spTree>
@@ -6437,7 +6555,7 @@
 </p:sld>
 </file>
 
-<file path=ppt/slides/slide7.xml><?xml version="1.0" encoding="utf-8"?>
+<file path=ppt/slides/slide8.xml><?xml version="1.0" encoding="utf-8"?>
 <p:sld xmlns:a="http://schemas.openxmlformats.org/drawingml/2006/main" xmlns:r="http://schemas.openxmlformats.org/officeDocument/2006/relationships" xmlns:p="http://schemas.openxmlformats.org/presentationml/2006/main">
   <p:cSld>
     <p:spTree>
@@ -6598,7 +6716,7 @@
 </p:sld>
 </file>
 
-<file path=ppt/slides/slide8.xml><?xml version="1.0" encoding="utf-8"?>
+<file path=ppt/slides/slide9.xml><?xml version="1.0" encoding="utf-8"?>
 <p:sld xmlns:a="http://schemas.openxmlformats.org/drawingml/2006/main" xmlns:r="http://schemas.openxmlformats.org/officeDocument/2006/relationships" xmlns:p="http://schemas.openxmlformats.org/presentationml/2006/main">
   <p:cSld>
     <p:spTree>
@@ -6656,7 +6774,9 @@
         </p:nvSpPr>
         <p:spPr/>
         <p:txBody>
-          <a:bodyPr/>
+          <a:bodyPr>
+            <a:normAutofit/>
+          </a:bodyPr>
           <a:lstStyle/>
           <a:p>
             <a:r>
